--- a/Housing Affordability Hansen.pptx
+++ b/Housing Affordability Hansen.pptx
@@ -13329,7 +13329,7 @@
         </p:blipFill>
         <p:spPr>
           <a:xfrm>
-            <a:off x="2651760" y="3227832"/>
+            <a:off x="2395728" y="2438990"/>
             <a:ext cx="6172200" cy="2912744"/>
           </a:xfrm>
           <a:prstGeom prst="rect">
@@ -13367,7 +13367,7 @@
           <a:p>
             <a:r>
               <a:rPr lang="en-AU" dirty="0"/>
-              <a:t>We have decided to concentrate on house prices in the whole of Melbourne.</a:t>
+              <a:t>We have decided to concentrate on house prices in the whole of Melbourne from 2013 to 2023.</a:t>
             </a:r>
           </a:p>
           <a:p>
@@ -13407,7 +13407,7 @@
         </p:nvSpPr>
         <p:spPr>
           <a:xfrm>
-            <a:off x="1110996" y="6218163"/>
+            <a:off x="815340" y="5857355"/>
             <a:ext cx="10561320" cy="369332"/>
           </a:xfrm>
           <a:prstGeom prst="rect">
@@ -13678,7 +13678,7 @@
         <p:spPr>
           <a:xfrm>
             <a:off x="907162" y="3569053"/>
-            <a:ext cx="9930384" cy="2893100"/>
+            <a:ext cx="9930384" cy="3631763"/>
           </a:xfrm>
           <a:prstGeom prst="rect">
             <a:avLst/>
@@ -13722,11 +13722,26 @@
           </a:p>
           <a:p>
             <a:r>
-              <a:rPr lang="en-AU" sz="1600" dirty="0"/>
-              <a:t>.My analysis here shows there is a correlation between the growth of population and the increase in House prices.</a:t>
+              <a:rPr lang="en-US" sz="1600" b="0" i="0" dirty="0">
+                <a:solidFill>
+                  <a:srgbClr val="1D1C1D"/>
+                </a:solidFill>
+                <a:effectLst/>
+              </a:rPr>
+              <a:t>The high Pearson correlation coefficient indicates that as the estimated population in Victoria increases, Melbourne housing prices also increase. This suggests a strong relationship between population growth and housing prices.</a:t>
             </a:r>
-          </a:p>
-          <a:p>
+            <a:br>
+              <a:rPr lang="en-US" sz="1600" dirty="0"/>
+            </a:br>
+            <a:r>
+              <a:rPr lang="en-US" sz="1600" b="0" i="0" dirty="0">
+                <a:solidFill>
+                  <a:srgbClr val="1D1C1D"/>
+                </a:solidFill>
+                <a:effectLst/>
+              </a:rPr>
+              <a:t>The very low P-values from both the correlation test and the t-test indicate that these findings are highly unlikely to be due to random chance. This gives us confidence that the observed relationship between population and housing prices is real and significant.</a:t>
+            </a:r>
             <a:endParaRPr lang="en-AU" sz="1600" dirty="0"/>
           </a:p>
           <a:p>
